--- a/Planos/Eléctricos/Bloques.pptx
+++ b/Planos/Eléctricos/Bloques.pptx
@@ -4144,7 +4144,7 @@
           <a:p>
             <a:pPr algn="ctr"/>
             <a:r>
-              <a:rPr lang="es-CO" sz="1200" dirty="0" err="1">
+              <a:rPr lang="es-CO" sz="1200" dirty="0">
                 <a:effectLst/>
                 <a:latin typeface="Times New Roman" panose="02020603050405020304" pitchFamily="18" charset="0"/>
                 <a:ea typeface="Calibri" panose="020F0502020204030204" pitchFamily="34" charset="0"/>
@@ -4152,12 +4152,6 @@
               </a:rPr>
               <a:t>Servodrive</a:t>
             </a:r>
-            <a:endParaRPr lang="es-CO" sz="1200" dirty="0">
-              <a:effectLst/>
-              <a:latin typeface="Times New Roman" panose="02020603050405020304" pitchFamily="18" charset="0"/>
-              <a:ea typeface="Calibri" panose="020F0502020204030204" pitchFamily="34" charset="0"/>
-              <a:cs typeface="Times New Roman" panose="02020603050405020304" pitchFamily="18" charset="0"/>
-            </a:endParaRPr>
           </a:p>
         </p:txBody>
       </p:sp>
@@ -4201,7 +4195,7 @@
           <a:p>
             <a:pPr algn="ctr"/>
             <a:r>
-              <a:rPr lang="es-CO" sz="1200" dirty="0" err="1">
+              <a:rPr lang="es-CO" sz="1200" dirty="0">
                 <a:effectLst/>
                 <a:latin typeface="Times New Roman" panose="02020603050405020304" pitchFamily="18" charset="0"/>
                 <a:ea typeface="Calibri" panose="020F0502020204030204" pitchFamily="34" charset="0"/>
@@ -4209,12 +4203,6 @@
               </a:rPr>
               <a:t>Servodrive</a:t>
             </a:r>
-            <a:endParaRPr lang="es-CO" sz="1200" dirty="0">
-              <a:effectLst/>
-              <a:latin typeface="Times New Roman" panose="02020603050405020304" pitchFamily="18" charset="0"/>
-              <a:ea typeface="Calibri" panose="020F0502020204030204" pitchFamily="34" charset="0"/>
-              <a:cs typeface="Times New Roman" panose="02020603050405020304" pitchFamily="18" charset="0"/>
-            </a:endParaRPr>
           </a:p>
         </p:txBody>
       </p:sp>
